--- a/readme.pptx
+++ b/readme.pptx
@@ -1421,7 +1421,17 @@
                 <a:latin typeface="Times New Roman" panose="02020603050405020304" pitchFamily="18" charset="0"/>
                 <a:cs typeface="Times New Roman" panose="02020603050405020304" pitchFamily="18" charset="0"/>
               </a:rPr>
-              <a:t>Version 1.2</a:t>
+              <a:t>Version </a:t>
+            </a:r>
+            <a:r>
+              <a:rPr kumimoji="0" lang="en-US" altLang="zh-TW" sz="1400" dirty="0" smtClean="0">
+                <a:solidFill>
+                  <a:schemeClr val="tx1"/>
+                </a:solidFill>
+                <a:latin typeface="Times New Roman" panose="02020603050405020304" pitchFamily="18" charset="0"/>
+                <a:cs typeface="Times New Roman" panose="02020603050405020304" pitchFamily="18" charset="0"/>
+              </a:rPr>
+              <a:t>1.5</a:t>
             </a:r>
             <a:endParaRPr kumimoji="0" lang="zh-TW" altLang="en-US" sz="1400" dirty="0">
               <a:solidFill>
@@ -1587,10 +1597,6 @@
               </a:rPr>
               <a:t>二、線上學習階段～課後測驗</a:t>
             </a:r>
-            <a:endParaRPr lang="zh-TW" altLang="en-US" dirty="0" smtClean="0">
-              <a:latin typeface="Times New Roman" panose="02020603050405020304" pitchFamily="18" charset="0"/>
-              <a:ea typeface="標楷體" panose="03000509000000000000" pitchFamily="65" charset="-120"/>
-            </a:endParaRPr>
           </a:p>
         </p:txBody>
       </p:sp>
@@ -1631,10 +1637,6 @@
               </a:rPr>
               <a:t>若該課程另包含課後測驗，則請點選「課後測驗」按鈕進入測驗畫面。</a:t>
             </a:r>
-            <a:endParaRPr lang="zh-TW" altLang="en-US" dirty="0" smtClean="0">
-              <a:latin typeface="Times New Roman" panose="02020603050405020304" pitchFamily="18" charset="0"/>
-              <a:ea typeface="標楷體" panose="03000509000000000000" pitchFamily="65" charset="-120"/>
-            </a:endParaRPr>
           </a:p>
         </p:txBody>
       </p:sp>
@@ -1707,7 +1709,7 @@
       </p:grpSpPr>
       <p:grpSp>
         <p:nvGrpSpPr>
-          <p:cNvPr id="6" name="群組 5"/>
+          <p:cNvPr id="9" name="群組 8"/>
           <p:cNvGrpSpPr/>
           <p:nvPr/>
         </p:nvGrpSpPr>
@@ -1823,6 +1825,190 @@
             </a:p>
           </p:txBody>
         </p:sp>
+        <p:sp>
+          <p:nvSpPr>
+            <p:cNvPr id="7" name="矩形 6"/>
+            <p:cNvSpPr/>
+            <p:nvPr/>
+          </p:nvSpPr>
+          <p:spPr>
+            <a:xfrm>
+              <a:off x="6129511" y="4006927"/>
+              <a:ext cx="216024" cy="235479"/>
+            </a:xfrm>
+            <a:prstGeom prst="rect">
+              <a:avLst/>
+            </a:prstGeom>
+            <a:solidFill>
+              <a:schemeClr val="bg1"/>
+            </a:solidFill>
+            <a:ln>
+              <a:noFill/>
+            </a:ln>
+          </p:spPr>
+          <p:style>
+            <a:lnRef idx="2">
+              <a:schemeClr val="accent1">
+                <a:shade val="50000"/>
+              </a:schemeClr>
+            </a:lnRef>
+            <a:fillRef idx="1">
+              <a:schemeClr val="accent1"/>
+            </a:fillRef>
+            <a:effectRef idx="0">
+              <a:schemeClr val="accent1"/>
+            </a:effectRef>
+            <a:fontRef idx="minor">
+              <a:schemeClr val="lt1"/>
+            </a:fontRef>
+          </p:style>
+          <p:txBody>
+            <a:bodyPr rtlCol="0" anchor="ctr"/>
+            <a:lstStyle/>
+            <a:p>
+              <a:pPr algn="ctr"/>
+              <a:endParaRPr lang="zh-TW" altLang="en-US"/>
+            </a:p>
+          </p:txBody>
+        </p:sp>
+        <p:sp>
+          <p:nvSpPr>
+            <p:cNvPr id="13" name="矩形 12"/>
+            <p:cNvSpPr/>
+            <p:nvPr/>
+          </p:nvSpPr>
+          <p:spPr>
+            <a:xfrm>
+              <a:off x="6436965" y="4721731"/>
+              <a:ext cx="216024" cy="235479"/>
+            </a:xfrm>
+            <a:prstGeom prst="rect">
+              <a:avLst/>
+            </a:prstGeom>
+            <a:solidFill>
+              <a:schemeClr val="bg1"/>
+            </a:solidFill>
+            <a:ln>
+              <a:noFill/>
+            </a:ln>
+          </p:spPr>
+          <p:style>
+            <a:lnRef idx="2">
+              <a:schemeClr val="accent1">
+                <a:shade val="50000"/>
+              </a:schemeClr>
+            </a:lnRef>
+            <a:fillRef idx="1">
+              <a:schemeClr val="accent1"/>
+            </a:fillRef>
+            <a:effectRef idx="0">
+              <a:schemeClr val="accent1"/>
+            </a:effectRef>
+            <a:fontRef idx="minor">
+              <a:schemeClr val="lt1"/>
+            </a:fontRef>
+          </p:style>
+          <p:txBody>
+            <a:bodyPr rtlCol="0" anchor="ctr"/>
+            <a:lstStyle/>
+            <a:p>
+              <a:pPr algn="ctr"/>
+              <a:endParaRPr lang="zh-TW" altLang="en-US"/>
+            </a:p>
+          </p:txBody>
+        </p:sp>
+        <p:sp>
+          <p:nvSpPr>
+            <p:cNvPr id="15" name="矩形 14"/>
+            <p:cNvSpPr/>
+            <p:nvPr/>
+          </p:nvSpPr>
+          <p:spPr>
+            <a:xfrm>
+              <a:off x="6609184" y="5367993"/>
+              <a:ext cx="216024" cy="235479"/>
+            </a:xfrm>
+            <a:prstGeom prst="rect">
+              <a:avLst/>
+            </a:prstGeom>
+            <a:solidFill>
+              <a:schemeClr val="bg1"/>
+            </a:solidFill>
+            <a:ln>
+              <a:noFill/>
+            </a:ln>
+          </p:spPr>
+          <p:style>
+            <a:lnRef idx="2">
+              <a:schemeClr val="accent1">
+                <a:shade val="50000"/>
+              </a:schemeClr>
+            </a:lnRef>
+            <a:fillRef idx="1">
+              <a:schemeClr val="accent1"/>
+            </a:fillRef>
+            <a:effectRef idx="0">
+              <a:schemeClr val="accent1"/>
+            </a:effectRef>
+            <a:fontRef idx="minor">
+              <a:schemeClr val="lt1"/>
+            </a:fontRef>
+          </p:style>
+          <p:txBody>
+            <a:bodyPr rtlCol="0" anchor="ctr"/>
+            <a:lstStyle/>
+            <a:p>
+              <a:pPr algn="ctr"/>
+              <a:endParaRPr lang="zh-TW" altLang="en-US"/>
+            </a:p>
+          </p:txBody>
+        </p:sp>
+        <p:sp>
+          <p:nvSpPr>
+            <p:cNvPr id="16" name="矩形 15"/>
+            <p:cNvSpPr/>
+            <p:nvPr/>
+          </p:nvSpPr>
+          <p:spPr>
+            <a:xfrm>
+              <a:off x="6447259" y="6044268"/>
+              <a:ext cx="216024" cy="235479"/>
+            </a:xfrm>
+            <a:prstGeom prst="rect">
+              <a:avLst/>
+            </a:prstGeom>
+            <a:solidFill>
+              <a:schemeClr val="bg1"/>
+            </a:solidFill>
+            <a:ln>
+              <a:noFill/>
+            </a:ln>
+          </p:spPr>
+          <p:style>
+            <a:lnRef idx="2">
+              <a:schemeClr val="accent1">
+                <a:shade val="50000"/>
+              </a:schemeClr>
+            </a:lnRef>
+            <a:fillRef idx="1">
+              <a:schemeClr val="accent1"/>
+            </a:fillRef>
+            <a:effectRef idx="0">
+              <a:schemeClr val="accent1"/>
+            </a:effectRef>
+            <a:fontRef idx="minor">
+              <a:schemeClr val="lt1"/>
+            </a:fontRef>
+          </p:style>
+          <p:txBody>
+            <a:bodyPr rtlCol="0" anchor="ctr"/>
+            <a:lstStyle/>
+            <a:p>
+              <a:pPr algn="ctr"/>
+              <a:endParaRPr lang="zh-TW" altLang="en-US"/>
+            </a:p>
+          </p:txBody>
+        </p:sp>
       </p:grpSp>
       <p:sp>
         <p:nvSpPr>
@@ -1896,10 +2082,6 @@
               </a:rPr>
               <a:t>的答案。</a:t>
             </a:r>
-            <a:endParaRPr lang="zh-TW" altLang="en-US" dirty="0" smtClean="0">
-              <a:latin typeface="Times New Roman" panose="02020603050405020304" pitchFamily="18" charset="0"/>
-              <a:ea typeface="標楷體" panose="03000509000000000000" pitchFamily="65" charset="-120"/>
-            </a:endParaRPr>
           </a:p>
         </p:txBody>
       </p:sp>
@@ -1954,10 +2136,6 @@
               </a:rPr>
               <a:t>在考試時限內完成所有答題。</a:t>
             </a:r>
-            <a:endParaRPr lang="zh-TW" altLang="en-US" dirty="0" smtClean="0">
-              <a:latin typeface="Times New Roman" panose="02020603050405020304" pitchFamily="18" charset="0"/>
-              <a:ea typeface="標楷體" panose="03000509000000000000" pitchFamily="65" charset="-120"/>
-            </a:endParaRPr>
           </a:p>
         </p:txBody>
       </p:sp>
@@ -2003,26 +2181,8 @@
                 <a:latin typeface="Times New Roman" panose="02020603050405020304" pitchFamily="18" charset="0"/>
                 <a:ea typeface="標楷體" panose="03000509000000000000" pitchFamily="65" charset="-120"/>
               </a:rPr>
-              <a:t> </a:t>
-            </a:r>
-            <a:r>
-              <a:rPr lang="zh-TW" altLang="en-US" dirty="0" smtClean="0">
-                <a:latin typeface="Times New Roman" panose="02020603050405020304" pitchFamily="18" charset="0"/>
-                <a:ea typeface="標楷體" panose="03000509000000000000" pitchFamily="65" charset="-120"/>
-              </a:rPr>
-              <a:t>完成答題後，按一下「交卷」按鈕即可</a:t>
-            </a:r>
-            <a:r>
-              <a:rPr lang="zh-TW" altLang="en-US" dirty="0" smtClean="0">
-                <a:latin typeface="Times New Roman" panose="02020603050405020304" pitchFamily="18" charset="0"/>
-                <a:ea typeface="標楷體" panose="03000509000000000000" pitchFamily="65" charset="-120"/>
-              </a:rPr>
-              <a:t>。</a:t>
-            </a:r>
-            <a:endParaRPr lang="zh-TW" altLang="en-US" dirty="0" smtClean="0">
-              <a:latin typeface="Times New Roman" panose="02020603050405020304" pitchFamily="18" charset="0"/>
-              <a:ea typeface="標楷體" panose="03000509000000000000" pitchFamily="65" charset="-120"/>
-            </a:endParaRPr>
+              <a:t> 完成答題後，按一下「交卷」按鈕即可。</a:t>
+            </a:r>
           </a:p>
         </p:txBody>
       </p:sp>
@@ -2162,10 +2322,6 @@
               </a:rPr>
               <a:t>二、線上學習階段～課後測驗</a:t>
             </a:r>
-            <a:endParaRPr lang="zh-TW" altLang="en-US" dirty="0" smtClean="0">
-              <a:latin typeface="Times New Roman" panose="02020603050405020304" pitchFamily="18" charset="0"/>
-              <a:ea typeface="標楷體" panose="03000509000000000000" pitchFamily="65" charset="-120"/>
-            </a:endParaRPr>
           </a:p>
         </p:txBody>
       </p:sp>
@@ -2293,10 +2449,6 @@
               </a:rPr>
               <a:t>三、登出及修改登入密碼</a:t>
             </a:r>
-            <a:endParaRPr lang="zh-TW" altLang="en-US" dirty="0" smtClean="0">
-              <a:latin typeface="Times New Roman" panose="02020603050405020304" pitchFamily="18" charset="0"/>
-              <a:ea typeface="標楷體" panose="03000509000000000000" pitchFamily="65" charset="-120"/>
-            </a:endParaRPr>
           </a:p>
         </p:txBody>
       </p:sp>
@@ -2344,10 +2496,6 @@
               </a:rPr>
               <a:t> 當您完成數位課程學習或暫時要離開，按一下右上角選單中的「登出」按鈕，即可登出本系統。</a:t>
             </a:r>
-            <a:endParaRPr lang="zh-TW" altLang="en-US" dirty="0" smtClean="0">
-              <a:latin typeface="Times New Roman" panose="02020603050405020304" pitchFamily="18" charset="0"/>
-              <a:ea typeface="標楷體" panose="03000509000000000000" pitchFamily="65" charset="-120"/>
-            </a:endParaRPr>
           </a:p>
         </p:txBody>
       </p:sp>
@@ -2395,10 +2543,6 @@
               </a:rPr>
               <a:t>當然，您也可以透過選單中的「設定」按鈕，進入個人資料編輯畫面，按一下右上角的「編輯」圖示按鈕，修改自己的系統登入密碼。</a:t>
             </a:r>
-            <a:endParaRPr lang="zh-TW" altLang="en-US" dirty="0" smtClean="0">
-              <a:latin typeface="Times New Roman" panose="02020603050405020304" pitchFamily="18" charset="0"/>
-              <a:ea typeface="標楷體" panose="03000509000000000000" pitchFamily="65" charset="-120"/>
-            </a:endParaRPr>
           </a:p>
         </p:txBody>
       </p:sp>
@@ -2758,14 +2902,7 @@
                 <a:latin typeface="Times New Roman" panose="02020603050405020304" pitchFamily="18" charset="0"/>
                 <a:ea typeface="標楷體" panose="03000509000000000000" pitchFamily="65" charset="-120"/>
               </a:rPr>
-              <a:t>http</a:t>
-            </a:r>
-            <a:r>
-              <a:rPr lang="en-US" altLang="zh-TW" sz="2400" dirty="0" smtClean="0">
-                <a:latin typeface="Times New Roman" panose="02020603050405020304" pitchFamily="18" charset="0"/>
-                <a:ea typeface="標楷體" panose="03000509000000000000" pitchFamily="65" charset="-120"/>
-              </a:rPr>
-              <a:t>://</a:t>
+              <a:t>http://</a:t>
             </a:r>
             <a:endParaRPr lang="en-US" altLang="zh-TW" sz="2400" dirty="0">
               <a:latin typeface="Times New Roman" panose="02020603050405020304" pitchFamily="18" charset="0"/>
@@ -2814,14 +2951,7 @@
                 <a:latin typeface="Times New Roman" panose="02020603050405020304" pitchFamily="18" charset="0"/>
                 <a:ea typeface="標楷體" panose="03000509000000000000" pitchFamily="65" charset="-120"/>
               </a:rPr>
-              <a:t>輸入登入</a:t>
-            </a:r>
-            <a:r>
-              <a:rPr lang="zh-TW" altLang="en-US" dirty="0" smtClean="0">
-                <a:latin typeface="Times New Roman" panose="02020603050405020304" pitchFamily="18" charset="0"/>
-                <a:ea typeface="標楷體" panose="03000509000000000000" pitchFamily="65" charset="-120"/>
-              </a:rPr>
-              <a:t>帳號</a:t>
+              <a:t>輸入登入帳號</a:t>
             </a:r>
             <a:endParaRPr lang="en-US" altLang="zh-TW" dirty="0" smtClean="0">
               <a:latin typeface="Times New Roman" panose="02020603050405020304" pitchFamily="18" charset="0"/>
@@ -2910,14 +3040,7 @@
                 <a:latin typeface="Times New Roman" panose="02020603050405020304" pitchFamily="18" charset="0"/>
                 <a:ea typeface="標楷體" panose="03000509000000000000" pitchFamily="65" charset="-120"/>
               </a:rPr>
-              <a:t>輸入</a:t>
-            </a:r>
-            <a:r>
-              <a:rPr lang="zh-TW" altLang="en-US" dirty="0" smtClean="0">
-                <a:latin typeface="Times New Roman" panose="02020603050405020304" pitchFamily="18" charset="0"/>
-                <a:ea typeface="標楷體" panose="03000509000000000000" pitchFamily="65" charset="-120"/>
-              </a:rPr>
-              <a:t>密碼</a:t>
+              <a:t>輸入密碼</a:t>
             </a:r>
             <a:endParaRPr lang="en-US" altLang="zh-TW" dirty="0" smtClean="0">
               <a:latin typeface="Times New Roman" panose="02020603050405020304" pitchFamily="18" charset="0"/>
@@ -2937,14 +3060,7 @@
                 <a:latin typeface="Times New Roman" panose="02020603050405020304" pitchFamily="18" charset="0"/>
                 <a:ea typeface="標楷體" panose="03000509000000000000" pitchFamily="65" charset="-120"/>
               </a:rPr>
-              <a:t>五</a:t>
-            </a:r>
-            <a:r>
-              <a:rPr lang="zh-TW" altLang="en-US" dirty="0" smtClean="0">
-                <a:latin typeface="Times New Roman" panose="02020603050405020304" pitchFamily="18" charset="0"/>
-                <a:ea typeface="標楷體" panose="03000509000000000000" pitchFamily="65" charset="-120"/>
-              </a:rPr>
-              <a:t>個數字</a:t>
+              <a:t>五個數字</a:t>
             </a:r>
             <a:r>
               <a:rPr lang="en-US" altLang="zh-TW" dirty="0" smtClean="0">
@@ -3073,47 +3189,22 @@
                 <a:latin typeface="Times New Roman" panose="02020603050405020304" pitchFamily="18" charset="0"/>
                 <a:ea typeface="標楷體" panose="03000509000000000000" pitchFamily="65" charset="-120"/>
               </a:rPr>
-              <a:t>按下</a:t>
+              <a:t>按下「</a:t>
+            </a:r>
+            <a:r>
+              <a:rPr lang="zh-TW" altLang="en-US" dirty="0">
+                <a:latin typeface="Times New Roman" panose="02020603050405020304" pitchFamily="18" charset="0"/>
+                <a:ea typeface="標楷體" panose="03000509000000000000" pitchFamily="65" charset="-120"/>
+              </a:rPr>
+              <a:t>登入</a:t>
             </a:r>
             <a:r>
               <a:rPr lang="zh-TW" altLang="en-US" dirty="0" smtClean="0">
                 <a:latin typeface="Times New Roman" panose="02020603050405020304" pitchFamily="18" charset="0"/>
                 <a:ea typeface="標楷體" panose="03000509000000000000" pitchFamily="65" charset="-120"/>
               </a:rPr>
-              <a:t>「</a:t>
-            </a:r>
-            <a:r>
-              <a:rPr lang="zh-TW" altLang="en-US" dirty="0">
-                <a:latin typeface="Times New Roman" panose="02020603050405020304" pitchFamily="18" charset="0"/>
-                <a:ea typeface="標楷體" panose="03000509000000000000" pitchFamily="65" charset="-120"/>
-              </a:rPr>
-              <a:t>登入</a:t>
-            </a:r>
-            <a:r>
-              <a:rPr lang="zh-TW" altLang="en-US" dirty="0" smtClean="0">
-                <a:latin typeface="Times New Roman" panose="02020603050405020304" pitchFamily="18" charset="0"/>
-                <a:ea typeface="標楷體" panose="03000509000000000000" pitchFamily="65" charset="-120"/>
-              </a:rPr>
-              <a:t>」</a:t>
-            </a:r>
-            <a:r>
-              <a:rPr lang="zh-TW" altLang="en-US" dirty="0" smtClean="0">
-                <a:latin typeface="Times New Roman" panose="02020603050405020304" pitchFamily="18" charset="0"/>
-                <a:ea typeface="標楷體" panose="03000509000000000000" pitchFamily="65" charset="-120"/>
-              </a:rPr>
-              <a:t>按鈕，即可</a:t>
-            </a:r>
-            <a:r>
-              <a:rPr lang="zh-TW" altLang="en-US" dirty="0" smtClean="0">
-                <a:latin typeface="Times New Roman" panose="02020603050405020304" pitchFamily="18" charset="0"/>
-                <a:ea typeface="標楷體" panose="03000509000000000000" pitchFamily="65" charset="-120"/>
-              </a:rPr>
-              <a:t>登入數位學習系統</a:t>
-            </a:r>
-            <a:endParaRPr lang="zh-TW" altLang="en-US" dirty="0" smtClean="0">
-              <a:latin typeface="Times New Roman" panose="02020603050405020304" pitchFamily="18" charset="0"/>
-              <a:ea typeface="標楷體" panose="03000509000000000000" pitchFamily="65" charset="-120"/>
-            </a:endParaRPr>
+              <a:t>」按鈕，即可登入數位學習系統</a:t>
+            </a:r>
           </a:p>
         </p:txBody>
       </p:sp>
@@ -3362,14 +3453,7 @@
                 <a:latin typeface="Times New Roman" panose="02020603050405020304" pitchFamily="18" charset="0"/>
                 <a:ea typeface="標楷體" panose="03000509000000000000" pitchFamily="65" charset="-120"/>
               </a:rPr>
-              <a:t>登入後，請</a:t>
-            </a:r>
-            <a:r>
-              <a:rPr lang="zh-TW" altLang="en-US" sz="2000" dirty="0" smtClean="0">
-                <a:latin typeface="Times New Roman" panose="02020603050405020304" pitchFamily="18" charset="0"/>
-                <a:ea typeface="標楷體" panose="03000509000000000000" pitchFamily="65" charset="-120"/>
-              </a:rPr>
-              <a:t>檢查</a:t>
+              <a:t>登入後，請檢查</a:t>
             </a:r>
             <a:r>
               <a:rPr lang="zh-TW" altLang="en-US" sz="2000" dirty="0">
@@ -3709,10 +3793,6 @@
               </a:rPr>
               <a:t>二、線上學習階段</a:t>
             </a:r>
-            <a:endParaRPr lang="zh-TW" altLang="en-US" dirty="0" smtClean="0">
-              <a:latin typeface="Times New Roman" panose="02020603050405020304" pitchFamily="18" charset="0"/>
-              <a:ea typeface="標楷體" panose="03000509000000000000" pitchFamily="65" charset="-120"/>
-            </a:endParaRPr>
           </a:p>
         </p:txBody>
       </p:sp>
@@ -4007,10 +4087,6 @@
               </a:rPr>
               <a:t>二、線上學習階段～學習線上課程</a:t>
             </a:r>
-            <a:endParaRPr lang="zh-TW" altLang="en-US" dirty="0" smtClean="0">
-              <a:latin typeface="Times New Roman" panose="02020603050405020304" pitchFamily="18" charset="0"/>
-              <a:ea typeface="標楷體" panose="03000509000000000000" pitchFamily="65" charset="-120"/>
-            </a:endParaRPr>
           </a:p>
         </p:txBody>
       </p:sp>
@@ -4101,12 +4177,8 @@
                 <a:latin typeface="Times New Roman" panose="02020603050405020304" pitchFamily="18" charset="0"/>
                 <a:ea typeface="標楷體" panose="03000509000000000000" pitchFamily="65" charset="-120"/>
               </a:rPr>
-              <a:t>課後測驗兩部分。</a:t>
-            </a:r>
-            <a:endParaRPr lang="zh-TW" altLang="en-US" dirty="0" smtClean="0">
-              <a:latin typeface="Times New Roman" panose="02020603050405020304" pitchFamily="18" charset="0"/>
-              <a:ea typeface="標楷體" panose="03000509000000000000" pitchFamily="65" charset="-120"/>
-            </a:endParaRPr>
+              <a:t>課後測驗。</a:t>
+            </a:r>
           </a:p>
         </p:txBody>
       </p:sp>
@@ -4222,19 +4294,8 @@
                 <a:latin typeface="Times New Roman" panose="02020603050405020304" pitchFamily="18" charset="0"/>
                 <a:ea typeface="標楷體" panose="03000509000000000000" pitchFamily="65" charset="-120"/>
               </a:rPr>
-              <a:t> </a:t>
-            </a:r>
-            <a:r>
-              <a:rPr lang="zh-TW" altLang="en-US" dirty="0" smtClean="0">
-                <a:latin typeface="Times New Roman" panose="02020603050405020304" pitchFamily="18" charset="0"/>
-                <a:ea typeface="標楷體" panose="03000509000000000000" pitchFamily="65" charset="-120"/>
-              </a:rPr>
-              <a:t>點選「工作教導」影片，進入課程內容。</a:t>
-            </a:r>
-            <a:endParaRPr lang="zh-TW" altLang="en-US" dirty="0" smtClean="0">
-              <a:latin typeface="Times New Roman" panose="02020603050405020304" pitchFamily="18" charset="0"/>
-              <a:ea typeface="標楷體" panose="03000509000000000000" pitchFamily="65" charset="-120"/>
-            </a:endParaRPr>
+              <a:t> 點選「工作教導」影片，進入課程內容。</a:t>
+            </a:r>
           </a:p>
         </p:txBody>
       </p:sp>
@@ -4277,7 +4338,7 @@
       </p:grpSpPr>
       <p:pic>
         <p:nvPicPr>
-          <p:cNvPr id="3074" name="Picture 2"/>
+          <p:cNvPr id="1026" name="Picture 2"/>
           <p:cNvPicPr>
             <a:picLocks noChangeAspect="1" noChangeArrowheads="1"/>
           </p:cNvPicPr>
@@ -4298,8 +4359,8 @@
         </p:blipFill>
         <p:spPr bwMode="auto">
           <a:xfrm>
-            <a:off x="2141661" y="908720"/>
-            <a:ext cx="7635875" cy="5685284"/>
+            <a:off x="2072680" y="830535"/>
+            <a:ext cx="7724775" cy="5838825"/>
           </a:xfrm>
           <a:prstGeom prst="rect">
             <a:avLst/>
@@ -4377,24 +4438,18 @@
               </a:rPr>
               <a:t> 按一下「播放」按鈕，系統。</a:t>
             </a:r>
-            <a:endParaRPr lang="zh-TW" altLang="en-US" dirty="0" smtClean="0">
-              <a:latin typeface="Times New Roman" panose="02020603050405020304" pitchFamily="18" charset="0"/>
-              <a:ea typeface="標楷體" panose="03000509000000000000" pitchFamily="65" charset="-120"/>
-            </a:endParaRPr>
           </a:p>
         </p:txBody>
       </p:sp>
       <p:cxnSp>
         <p:nvCxnSpPr>
           <p:cNvPr id="4" name="直線接點 3"/>
-          <p:cNvCxnSpPr>
-            <a:stCxn id="3" idx="2"/>
-          </p:cNvCxnSpPr>
+          <p:cNvCxnSpPr/>
           <p:nvPr/>
         </p:nvCxnSpPr>
         <p:spPr>
           <a:xfrm>
-            <a:off x="1135062" y="2275131"/>
+            <a:off x="1064568" y="2275131"/>
             <a:ext cx="1531938" cy="970989"/>
           </a:xfrm>
           <a:prstGeom prst="line">
@@ -4450,10 +4505,6 @@
               </a:rPr>
               <a:t>二、線上學習階段～學習線上課程</a:t>
             </a:r>
-            <a:endParaRPr lang="zh-TW" altLang="en-US" dirty="0" smtClean="0">
-              <a:latin typeface="Times New Roman" panose="02020603050405020304" pitchFamily="18" charset="0"/>
-              <a:ea typeface="標楷體" panose="03000509000000000000" pitchFamily="65" charset="-120"/>
-            </a:endParaRPr>
           </a:p>
         </p:txBody>
       </p:sp>
@@ -4596,10 +4647,6 @@
               </a:rPr>
               <a:t> 課程影片播放過程，若想要暫停畫面，在畫面上按一下滑鼠左鍵，即可暫停播放；再按一次滑鼠左鍵，畫面恢復播放狀態。</a:t>
             </a:r>
-            <a:endParaRPr lang="zh-TW" altLang="en-US" dirty="0" smtClean="0">
-              <a:latin typeface="Times New Roman" panose="02020603050405020304" pitchFamily="18" charset="0"/>
-              <a:ea typeface="標楷體" panose="03000509000000000000" pitchFamily="65" charset="-120"/>
-            </a:endParaRPr>
           </a:p>
         </p:txBody>
       </p:sp>
@@ -4632,10 +4679,6 @@
               </a:rPr>
               <a:t>二、線上學習階段～學習線上課程</a:t>
             </a:r>
-            <a:endParaRPr lang="zh-TW" altLang="en-US" dirty="0" smtClean="0">
-              <a:latin typeface="Times New Roman" panose="02020603050405020304" pitchFamily="18" charset="0"/>
-              <a:ea typeface="標楷體" panose="03000509000000000000" pitchFamily="65" charset="-120"/>
-            </a:endParaRPr>
           </a:p>
         </p:txBody>
       </p:sp>
@@ -4706,7 +4749,7 @@
       </p:grpSpPr>
       <p:pic>
         <p:nvPicPr>
-          <p:cNvPr id="5122" name="Picture 2"/>
+          <p:cNvPr id="2050" name="Picture 2"/>
           <p:cNvPicPr>
             <a:picLocks noChangeAspect="1" noChangeArrowheads="1"/>
           </p:cNvPicPr>
@@ -4727,8 +4770,8 @@
         </p:blipFill>
         <p:spPr bwMode="auto">
           <a:xfrm>
-            <a:off x="116463" y="2779738"/>
-            <a:ext cx="9587682" cy="3457575"/>
+            <a:off x="344488" y="2884512"/>
+            <a:ext cx="9086850" cy="3352800"/>
           </a:xfrm>
           <a:prstGeom prst="rect">
             <a:avLst/>
@@ -4791,10 +4834,6 @@
               </a:rPr>
               <a:t>二、線上學習階段～查看個人學習記錄</a:t>
             </a:r>
-            <a:endParaRPr lang="zh-TW" altLang="en-US" dirty="0" smtClean="0">
-              <a:latin typeface="Times New Roman" panose="02020603050405020304" pitchFamily="18" charset="0"/>
-              <a:ea typeface="標楷體" panose="03000509000000000000" pitchFamily="65" charset="-120"/>
-            </a:endParaRPr>
           </a:p>
         </p:txBody>
       </p:sp>
@@ -4862,25 +4901,19 @@
               </a:rPr>
               <a:t>包括您每次學習本課程的時間、課程的起始段落、以及每次學習的時間長度。</a:t>
             </a:r>
-            <a:endParaRPr lang="zh-TW" altLang="en-US" dirty="0" smtClean="0">
-              <a:latin typeface="Times New Roman" panose="02020603050405020304" pitchFamily="18" charset="0"/>
-              <a:ea typeface="標楷體" panose="03000509000000000000" pitchFamily="65" charset="-120"/>
-            </a:endParaRPr>
           </a:p>
         </p:txBody>
       </p:sp>
       <p:cxnSp>
         <p:nvCxnSpPr>
           <p:cNvPr id="5" name="直線接點 4"/>
-          <p:cNvCxnSpPr>
-            <a:stCxn id="4" idx="2"/>
-          </p:cNvCxnSpPr>
+          <p:cNvCxnSpPr/>
           <p:nvPr/>
         </p:nvCxnSpPr>
         <p:spPr>
           <a:xfrm>
-            <a:off x="4628964" y="2474025"/>
-            <a:ext cx="2052228" cy="1170999"/>
+            <a:off x="4887913" y="2348880"/>
+            <a:ext cx="2297335" cy="1296144"/>
           </a:xfrm>
           <a:prstGeom prst="line">
             <a:avLst/>
@@ -4936,9 +4969,141 @@
           <a:chExt cx="0" cy="0"/>
         </a:xfrm>
       </p:grpSpPr>
+      <p:sp>
+        <p:nvSpPr>
+          <p:cNvPr id="3" name="文字方塊 2"/>
+          <p:cNvSpPr txBox="1"/>
+          <p:nvPr/>
+        </p:nvSpPr>
+        <p:spPr>
+          <a:xfrm>
+            <a:off x="1136576" y="1196752"/>
+            <a:ext cx="6984776" cy="1631216"/>
+          </a:xfrm>
+          <a:prstGeom prst="rect">
+            <a:avLst/>
+          </a:prstGeom>
+          <a:noFill/>
+          <a:ln>
+            <a:noFill/>
+          </a:ln>
+        </p:spPr>
+        <p:txBody>
+          <a:bodyPr wrap="square" rtlCol="0">
+            <a:spAutoFit/>
+          </a:bodyPr>
+          <a:lstStyle/>
+          <a:p>
+            <a:pPr marL="342900" indent="-342900">
+              <a:spcBef>
+                <a:spcPts val="600"/>
+              </a:spcBef>
+              <a:buAutoNum type="alphaUcPeriod"/>
+            </a:pPr>
+            <a:r>
+              <a:rPr lang="zh-TW" altLang="en-US" dirty="0" smtClean="0">
+                <a:latin typeface="Times New Roman" panose="02020603050405020304" pitchFamily="18" charset="0"/>
+                <a:ea typeface="標楷體" panose="03000509000000000000" pitchFamily="65" charset="-120"/>
+              </a:rPr>
+              <a:t>系統也提供您撰寫學習心得與問題提問功能。</a:t>
+            </a:r>
+            <a:endParaRPr lang="en-US" altLang="zh-TW" dirty="0" smtClean="0">
+              <a:latin typeface="Times New Roman" panose="02020603050405020304" pitchFamily="18" charset="0"/>
+              <a:ea typeface="標楷體" panose="03000509000000000000" pitchFamily="65" charset="-120"/>
+            </a:endParaRPr>
+          </a:p>
+          <a:p>
+            <a:pPr marL="342900" indent="-342900">
+              <a:spcBef>
+                <a:spcPts val="600"/>
+              </a:spcBef>
+              <a:buAutoNum type="alphaUcPeriod"/>
+            </a:pPr>
+            <a:r>
+              <a:rPr lang="zh-TW" altLang="en-US" dirty="0" smtClean="0">
+                <a:latin typeface="Times New Roman" panose="02020603050405020304" pitchFamily="18" charset="0"/>
+                <a:ea typeface="標楷體" panose="03000509000000000000" pitchFamily="65" charset="-120"/>
+              </a:rPr>
+              <a:t>您可以點選「</a:t>
+            </a:r>
+            <a:r>
+              <a:rPr lang="zh-TW" altLang="en-US" dirty="0" smtClean="0">
+                <a:latin typeface="Times New Roman" panose="02020603050405020304" pitchFamily="18" charset="0"/>
+                <a:ea typeface="標楷體" panose="03000509000000000000" pitchFamily="65" charset="-120"/>
+              </a:rPr>
+              <a:t>心得及提問</a:t>
+            </a:r>
+            <a:r>
+              <a:rPr lang="zh-TW" altLang="en-US" dirty="0" smtClean="0">
+                <a:latin typeface="Times New Roman" panose="02020603050405020304" pitchFamily="18" charset="0"/>
+                <a:ea typeface="標楷體" panose="03000509000000000000" pitchFamily="65" charset="-120"/>
+              </a:rPr>
+              <a:t>」按鈕，並在編輯畫面中填寫學習心得與提問內容，填寫好後，按一下「提交」按鈕即可。</a:t>
+            </a:r>
+            <a:endParaRPr lang="en-US" altLang="zh-TW" dirty="0" smtClean="0">
+              <a:latin typeface="Times New Roman" panose="02020603050405020304" pitchFamily="18" charset="0"/>
+              <a:ea typeface="標楷體" panose="03000509000000000000" pitchFamily="65" charset="-120"/>
+            </a:endParaRPr>
+          </a:p>
+          <a:p>
+            <a:pPr marL="342900" indent="-342900">
+              <a:spcBef>
+                <a:spcPts val="600"/>
+              </a:spcBef>
+              <a:buAutoNum type="alphaUcPeriod"/>
+            </a:pPr>
+            <a:r>
+              <a:rPr lang="zh-TW" altLang="en-US" dirty="0">
+                <a:latin typeface="Times New Roman" panose="02020603050405020304" pitchFamily="18" charset="0"/>
+                <a:ea typeface="標楷體" panose="03000509000000000000" pitchFamily="65" charset="-120"/>
+              </a:rPr>
+              <a:t>同時，</a:t>
+            </a:r>
+            <a:r>
+              <a:rPr lang="zh-TW" altLang="en-US" dirty="0" smtClean="0">
+                <a:latin typeface="Times New Roman" panose="02020603050405020304" pitchFamily="18" charset="0"/>
+                <a:ea typeface="標楷體" panose="03000509000000000000" pitchFamily="65" charset="-120"/>
+              </a:rPr>
+              <a:t>您也可以在本功能中，看到其他同學的提問及授課老師的反饋。</a:t>
+            </a:r>
+          </a:p>
+        </p:txBody>
+      </p:sp>
+      <p:sp>
+        <p:nvSpPr>
+          <p:cNvPr id="4" name="文字方塊 3"/>
+          <p:cNvSpPr txBox="1"/>
+          <p:nvPr/>
+        </p:nvSpPr>
+        <p:spPr>
+          <a:xfrm>
+            <a:off x="785651" y="251356"/>
+            <a:ext cx="5823533" cy="369332"/>
+          </a:xfrm>
+          <a:prstGeom prst="rect">
+            <a:avLst/>
+          </a:prstGeom>
+          <a:noFill/>
+        </p:spPr>
+        <p:txBody>
+          <a:bodyPr wrap="square" rtlCol="0">
+            <a:spAutoFit/>
+          </a:bodyPr>
+          <a:lstStyle/>
+          <a:p>
+            <a:r>
+              <a:rPr lang="zh-TW" altLang="en-US" dirty="0" smtClean="0">
+                <a:latin typeface="Times New Roman" panose="02020603050405020304" pitchFamily="18" charset="0"/>
+                <a:ea typeface="標楷體" panose="03000509000000000000" pitchFamily="65" charset="-120"/>
+              </a:rPr>
+              <a:t>二、線上學習階段～撰寫學習心得與問題提問</a:t>
+            </a:r>
+          </a:p>
+        </p:txBody>
+      </p:sp>
       <p:pic>
         <p:nvPicPr>
-          <p:cNvPr id="6146" name="Picture 2"/>
+          <p:cNvPr id="3074" name="Picture 2"/>
           <p:cNvPicPr>
             <a:picLocks noChangeAspect="1" noChangeArrowheads="1"/>
           </p:cNvPicPr>
@@ -4959,8 +5124,8 @@
         </p:blipFill>
         <p:spPr bwMode="auto">
           <a:xfrm>
-            <a:off x="2344415" y="3363813"/>
-            <a:ext cx="5272881" cy="2657475"/>
+            <a:off x="2642617" y="3284984"/>
+            <a:ext cx="4686647" cy="2582642"/>
           </a:xfrm>
           <a:prstGeom prst="rect">
             <a:avLst/>
@@ -4994,132 +5159,6 @@
           </a:extLst>
         </p:spPr>
       </p:pic>
-      <p:sp>
-        <p:nvSpPr>
-          <p:cNvPr id="3" name="文字方塊 2"/>
-          <p:cNvSpPr txBox="1"/>
-          <p:nvPr/>
-        </p:nvSpPr>
-        <p:spPr>
-          <a:xfrm>
-            <a:off x="1136576" y="1196752"/>
-            <a:ext cx="6984776" cy="1631216"/>
-          </a:xfrm>
-          <a:prstGeom prst="rect">
-            <a:avLst/>
-          </a:prstGeom>
-          <a:noFill/>
-          <a:ln>
-            <a:noFill/>
-          </a:ln>
-        </p:spPr>
-        <p:txBody>
-          <a:bodyPr wrap="square" rtlCol="0">
-            <a:spAutoFit/>
-          </a:bodyPr>
-          <a:lstStyle/>
-          <a:p>
-            <a:pPr marL="342900" indent="-342900">
-              <a:spcBef>
-                <a:spcPts val="600"/>
-              </a:spcBef>
-              <a:buAutoNum type="alphaUcPeriod"/>
-            </a:pPr>
-            <a:r>
-              <a:rPr lang="zh-TW" altLang="en-US" dirty="0" smtClean="0">
-                <a:latin typeface="Times New Roman" panose="02020603050405020304" pitchFamily="18" charset="0"/>
-                <a:ea typeface="標楷體" panose="03000509000000000000" pitchFamily="65" charset="-120"/>
-              </a:rPr>
-              <a:t>系統也提供您撰寫學習心得與問題提問功能。</a:t>
-            </a:r>
-            <a:endParaRPr lang="en-US" altLang="zh-TW" dirty="0" smtClean="0">
-              <a:latin typeface="Times New Roman" panose="02020603050405020304" pitchFamily="18" charset="0"/>
-              <a:ea typeface="標楷體" panose="03000509000000000000" pitchFamily="65" charset="-120"/>
-            </a:endParaRPr>
-          </a:p>
-          <a:p>
-            <a:pPr marL="342900" indent="-342900">
-              <a:spcBef>
-                <a:spcPts val="600"/>
-              </a:spcBef>
-              <a:buAutoNum type="alphaUcPeriod"/>
-            </a:pPr>
-            <a:r>
-              <a:rPr lang="zh-TW" altLang="en-US" dirty="0" smtClean="0">
-                <a:latin typeface="Times New Roman" panose="02020603050405020304" pitchFamily="18" charset="0"/>
-                <a:ea typeface="標楷體" panose="03000509000000000000" pitchFamily="65" charset="-120"/>
-              </a:rPr>
-              <a:t>您可以點選「心得與提問」按鈕，並在編輯畫面中填寫心得與提問內容，填寫好後，按一下「提交」按鈕即可。</a:t>
-            </a:r>
-            <a:endParaRPr lang="en-US" altLang="zh-TW" dirty="0" smtClean="0">
-              <a:latin typeface="Times New Roman" panose="02020603050405020304" pitchFamily="18" charset="0"/>
-              <a:ea typeface="標楷體" panose="03000509000000000000" pitchFamily="65" charset="-120"/>
-            </a:endParaRPr>
-          </a:p>
-          <a:p>
-            <a:pPr marL="342900" indent="-342900">
-              <a:spcBef>
-                <a:spcPts val="600"/>
-              </a:spcBef>
-              <a:buAutoNum type="alphaUcPeriod"/>
-            </a:pPr>
-            <a:r>
-              <a:rPr lang="zh-TW" altLang="en-US" dirty="0">
-                <a:latin typeface="Times New Roman" panose="02020603050405020304" pitchFamily="18" charset="0"/>
-                <a:ea typeface="標楷體" panose="03000509000000000000" pitchFamily="65" charset="-120"/>
-              </a:rPr>
-              <a:t>同時，</a:t>
-            </a:r>
-            <a:r>
-              <a:rPr lang="zh-TW" altLang="en-US" dirty="0" smtClean="0">
-                <a:latin typeface="Times New Roman" panose="02020603050405020304" pitchFamily="18" charset="0"/>
-                <a:ea typeface="標楷體" panose="03000509000000000000" pitchFamily="65" charset="-120"/>
-              </a:rPr>
-              <a:t>您也可以在本功能中，看到其他同學的提問及授課老師的反饋。</a:t>
-            </a:r>
-            <a:endParaRPr lang="zh-TW" altLang="en-US" dirty="0" smtClean="0">
-              <a:latin typeface="Times New Roman" panose="02020603050405020304" pitchFamily="18" charset="0"/>
-              <a:ea typeface="標楷體" panose="03000509000000000000" pitchFamily="65" charset="-120"/>
-            </a:endParaRPr>
-          </a:p>
-        </p:txBody>
-      </p:sp>
-      <p:sp>
-        <p:nvSpPr>
-          <p:cNvPr id="4" name="文字方塊 3"/>
-          <p:cNvSpPr txBox="1"/>
-          <p:nvPr/>
-        </p:nvSpPr>
-        <p:spPr>
-          <a:xfrm>
-            <a:off x="785651" y="251356"/>
-            <a:ext cx="5823533" cy="369332"/>
-          </a:xfrm>
-          <a:prstGeom prst="rect">
-            <a:avLst/>
-          </a:prstGeom>
-          <a:noFill/>
-        </p:spPr>
-        <p:txBody>
-          <a:bodyPr wrap="square" rtlCol="0">
-            <a:spAutoFit/>
-          </a:bodyPr>
-          <a:lstStyle/>
-          <a:p>
-            <a:r>
-              <a:rPr lang="zh-TW" altLang="en-US" dirty="0" smtClean="0">
-                <a:latin typeface="Times New Roman" panose="02020603050405020304" pitchFamily="18" charset="0"/>
-                <a:ea typeface="標楷體" panose="03000509000000000000" pitchFamily="65" charset="-120"/>
-              </a:rPr>
-              <a:t>二、線上學習階段～撰寫學習心得與問題提問</a:t>
-            </a:r>
-            <a:endParaRPr lang="zh-TW" altLang="en-US" dirty="0" smtClean="0">
-              <a:latin typeface="Times New Roman" panose="02020603050405020304" pitchFamily="18" charset="0"/>
-              <a:ea typeface="標楷體" panose="03000509000000000000" pitchFamily="65" charset="-120"/>
-            </a:endParaRPr>
-          </a:p>
-        </p:txBody>
-      </p:sp>
     </p:spTree>
     <p:extLst>
       <p:ext uri="{BB962C8B-B14F-4D97-AF65-F5344CB8AC3E}">
